--- a/Clase 8/clase8.pptx
+++ b/Clase 8/clase8.pptx
@@ -240,7 +240,7 @@
           <a:p>
             <a:fld id="{56EFBD41-8F30-499F-8836-9A8B592EDCF2}" type="datetimeFigureOut">
               <a:rPr lang="es-CR" smtClean="0"/>
-              <a:t>6/3/2018</a:t>
+              <a:t>10/7/2019</a:t>
             </a:fld>
             <a:endParaRPr lang="es-CR"/>
           </a:p>
@@ -405,7 +405,7 @@
           <a:p>
             <a:fld id="{701C4BE3-AD0D-43FB-97B9-68E31F3243AC}" type="datetimeFigureOut">
               <a:rPr lang="es-CR" smtClean="0"/>
-              <a:t>6/3/2018</a:t>
+              <a:t>10/7/2019</a:t>
             </a:fld>
             <a:endParaRPr lang="es-CR"/>
           </a:p>
@@ -815,7 +815,7 @@
           <a:p>
             <a:fld id="{EABE8AA6-12A8-4B45-AB18-A83908A3A2E6}" type="datetimeFigureOut">
               <a:rPr lang="es-ES" smtClean="0"/>
-              <a:t>06/03/2018</a:t>
+              <a:t>10/07/2019</a:t>
             </a:fld>
             <a:endParaRPr lang="es-ES"/>
           </a:p>
@@ -985,7 +985,7 @@
           <a:p>
             <a:fld id="{EABE8AA6-12A8-4B45-AB18-A83908A3A2E6}" type="datetimeFigureOut">
               <a:rPr lang="es-ES" smtClean="0"/>
-              <a:t>06/03/2018</a:t>
+              <a:t>10/07/2019</a:t>
             </a:fld>
             <a:endParaRPr lang="es-ES"/>
           </a:p>
@@ -1165,7 +1165,7 @@
           <a:p>
             <a:fld id="{EABE8AA6-12A8-4B45-AB18-A83908A3A2E6}" type="datetimeFigureOut">
               <a:rPr lang="es-ES" smtClean="0"/>
-              <a:t>06/03/2018</a:t>
+              <a:t>10/07/2019</a:t>
             </a:fld>
             <a:endParaRPr lang="es-ES"/>
           </a:p>
@@ -1368,7 +1368,7 @@
           <a:p>
             <a:fld id="{EABE8AA6-12A8-4B45-AB18-A83908A3A2E6}" type="datetimeFigureOut">
               <a:rPr lang="es-ES" smtClean="0"/>
-              <a:t>06/03/2018</a:t>
+              <a:t>10/07/2019</a:t>
             </a:fld>
             <a:endParaRPr lang="es-ES"/>
           </a:p>
@@ -1538,7 +1538,7 @@
           <a:p>
             <a:fld id="{EABE8AA6-12A8-4B45-AB18-A83908A3A2E6}" type="datetimeFigureOut">
               <a:rPr lang="es-ES" smtClean="0"/>
-              <a:t>06/03/2018</a:t>
+              <a:t>10/07/2019</a:t>
             </a:fld>
             <a:endParaRPr lang="es-ES"/>
           </a:p>
@@ -1789,7 +1789,7 @@
           <a:p>
             <a:fld id="{EABE8AA6-12A8-4B45-AB18-A83908A3A2E6}" type="datetimeFigureOut">
               <a:rPr lang="es-ES" smtClean="0"/>
-              <a:t>06/03/2018</a:t>
+              <a:t>10/07/2019</a:t>
             </a:fld>
             <a:endParaRPr lang="es-ES"/>
           </a:p>
@@ -2021,7 +2021,7 @@
           <a:p>
             <a:fld id="{EABE8AA6-12A8-4B45-AB18-A83908A3A2E6}" type="datetimeFigureOut">
               <a:rPr lang="es-ES" smtClean="0"/>
-              <a:t>06/03/2018</a:t>
+              <a:t>10/07/2019</a:t>
             </a:fld>
             <a:endParaRPr lang="es-ES"/>
           </a:p>
@@ -2368,7 +2368,7 @@
           <a:p>
             <a:fld id="{EABE8AA6-12A8-4B45-AB18-A83908A3A2E6}" type="datetimeFigureOut">
               <a:rPr lang="es-ES" smtClean="0"/>
-              <a:t>06/03/2018</a:t>
+              <a:t>10/07/2019</a:t>
             </a:fld>
             <a:endParaRPr lang="es-ES"/>
           </a:p>
@@ -2486,7 +2486,7 @@
           <a:p>
             <a:fld id="{73D7E00A-486F-4252-8B1D-E32645521F49}" type="datetime1">
               <a:rPr lang="en-US" smtClean="0"/>
-              <a:t>3/6/2018</a:t>
+              <a:t>7/10/2019</a:t>
             </a:fld>
             <a:endParaRPr lang="en-US"/>
           </a:p>
@@ -2604,7 +2604,7 @@
           <a:p>
             <a:fld id="{EABE8AA6-12A8-4B45-AB18-A83908A3A2E6}" type="datetimeFigureOut">
               <a:rPr lang="es-ES" smtClean="0"/>
-              <a:t>06/03/2018</a:t>
+              <a:t>10/07/2019</a:t>
             </a:fld>
             <a:endParaRPr lang="es-ES"/>
           </a:p>
@@ -2888,7 +2888,7 @@
           <a:p>
             <a:fld id="{EABE8AA6-12A8-4B45-AB18-A83908A3A2E6}" type="datetimeFigureOut">
               <a:rPr lang="es-ES" smtClean="0"/>
-              <a:t>06/03/2018</a:t>
+              <a:t>10/07/2019</a:t>
             </a:fld>
             <a:endParaRPr lang="es-ES"/>
           </a:p>
@@ -3058,7 +3058,7 @@
           <a:p>
             <a:fld id="{EABE8AA6-12A8-4B45-AB18-A83908A3A2E6}" type="datetimeFigureOut">
               <a:rPr lang="es-ES" smtClean="0"/>
-              <a:t>06/03/2018</a:t>
+              <a:t>10/07/2019</a:t>
             </a:fld>
             <a:endParaRPr lang="es-ES"/>
           </a:p>
@@ -3322,7 +3322,7 @@
           <a:p>
             <a:fld id="{EABE8AA6-12A8-4B45-AB18-A83908A3A2E6}" type="datetimeFigureOut">
               <a:rPr lang="es-ES" smtClean="0"/>
-              <a:t>06/03/2018</a:t>
+              <a:t>10/07/2019</a:t>
             </a:fld>
             <a:endParaRPr lang="es-ES"/>
           </a:p>
@@ -3492,7 +3492,7 @@
           <a:p>
             <a:fld id="{EABE8AA6-12A8-4B45-AB18-A83908A3A2E6}" type="datetimeFigureOut">
               <a:rPr lang="es-ES" smtClean="0"/>
-              <a:t>06/03/2018</a:t>
+              <a:t>10/07/2019</a:t>
             </a:fld>
             <a:endParaRPr lang="es-ES"/>
           </a:p>
@@ -3672,7 +3672,7 @@
           <a:p>
             <a:fld id="{EABE8AA6-12A8-4B45-AB18-A83908A3A2E6}" type="datetimeFigureOut">
               <a:rPr lang="es-ES" smtClean="0"/>
-              <a:t>06/03/2018</a:t>
+              <a:t>10/07/2019</a:t>
             </a:fld>
             <a:endParaRPr lang="es-ES"/>
           </a:p>
@@ -3864,7 +3864,7 @@
           <a:p>
             <a:fld id="{EABE8AA6-12A8-4B45-AB18-A83908A3A2E6}" type="datetimeFigureOut">
               <a:rPr lang="es-ES" smtClean="0"/>
-              <a:t>06/03/2018</a:t>
+              <a:t>10/07/2019</a:t>
             </a:fld>
             <a:endParaRPr lang="es-ES"/>
           </a:p>
@@ -4125,7 +4125,7 @@
           <a:p>
             <a:fld id="{EABE8AA6-12A8-4B45-AB18-A83908A3A2E6}" type="datetimeFigureOut">
               <a:rPr lang="es-ES" smtClean="0"/>
-              <a:t>06/03/2018</a:t>
+              <a:t>10/07/2019</a:t>
             </a:fld>
             <a:endParaRPr lang="es-ES"/>
           </a:p>
@@ -4516,7 +4516,7 @@
           <a:p>
             <a:fld id="{EABE8AA6-12A8-4B45-AB18-A83908A3A2E6}" type="datetimeFigureOut">
               <a:rPr lang="es-ES" smtClean="0"/>
-              <a:t>06/03/2018</a:t>
+              <a:t>10/07/2019</a:t>
             </a:fld>
             <a:endParaRPr lang="es-ES"/>
           </a:p>
@@ -4804,7 +4804,7 @@
           <a:p>
             <a:fld id="{EABE8AA6-12A8-4B45-AB18-A83908A3A2E6}" type="datetimeFigureOut">
               <a:rPr lang="es-ES" smtClean="0"/>
-              <a:t>06/03/2018</a:t>
+              <a:t>10/07/2019</a:t>
             </a:fld>
             <a:endParaRPr lang="es-ES"/>
           </a:p>
@@ -5227,7 +5227,7 @@
           <a:p>
             <a:fld id="{EABE8AA6-12A8-4B45-AB18-A83908A3A2E6}" type="datetimeFigureOut">
               <a:rPr lang="es-ES" smtClean="0"/>
-              <a:t>06/03/2018</a:t>
+              <a:t>10/07/2019</a:t>
             </a:fld>
             <a:endParaRPr lang="es-ES"/>
           </a:p>
@@ -5345,7 +5345,7 @@
           <a:p>
             <a:fld id="{73D7E00A-486F-4252-8B1D-E32645521F49}" type="datetime1">
               <a:rPr lang="en-US" smtClean="0"/>
-              <a:t>3/6/2018</a:t>
+              <a:t>7/10/2019</a:t>
             </a:fld>
             <a:endParaRPr lang="en-US"/>
           </a:p>
@@ -5440,7 +5440,7 @@
           <a:p>
             <a:fld id="{EABE8AA6-12A8-4B45-AB18-A83908A3A2E6}" type="datetimeFigureOut">
               <a:rPr lang="es-ES" smtClean="0"/>
-              <a:t>06/03/2018</a:t>
+              <a:t>10/07/2019</a:t>
             </a:fld>
             <a:endParaRPr lang="es-ES"/>
           </a:p>
@@ -5691,7 +5691,7 @@
           <a:p>
             <a:fld id="{EABE8AA6-12A8-4B45-AB18-A83908A3A2E6}" type="datetimeFigureOut">
               <a:rPr lang="es-ES" smtClean="0"/>
-              <a:t>06/03/2018</a:t>
+              <a:t>10/07/2019</a:t>
             </a:fld>
             <a:endParaRPr lang="es-ES"/>
           </a:p>
@@ -5968,7 +5968,7 @@
           <a:p>
             <a:fld id="{EABE8AA6-12A8-4B45-AB18-A83908A3A2E6}" type="datetimeFigureOut">
               <a:rPr lang="es-ES" smtClean="0"/>
-              <a:t>06/03/2018</a:t>
+              <a:t>10/07/2019</a:t>
             </a:fld>
             <a:endParaRPr lang="es-ES"/>
           </a:p>
@@ -6225,7 +6225,7 @@
           <a:p>
             <a:fld id="{EABE8AA6-12A8-4B45-AB18-A83908A3A2E6}" type="datetimeFigureOut">
               <a:rPr lang="es-ES" smtClean="0"/>
-              <a:t>06/03/2018</a:t>
+              <a:t>10/07/2019</a:t>
             </a:fld>
             <a:endParaRPr lang="es-ES"/>
           </a:p>
@@ -6395,7 +6395,7 @@
           <a:p>
             <a:fld id="{EABE8AA6-12A8-4B45-AB18-A83908A3A2E6}" type="datetimeFigureOut">
               <a:rPr lang="es-ES" smtClean="0"/>
-              <a:t>06/03/2018</a:t>
+              <a:t>10/07/2019</a:t>
             </a:fld>
             <a:endParaRPr lang="es-ES"/>
           </a:p>
@@ -6575,7 +6575,7 @@
           <a:p>
             <a:fld id="{EABE8AA6-12A8-4B45-AB18-A83908A3A2E6}" type="datetimeFigureOut">
               <a:rPr lang="es-ES" smtClean="0"/>
-              <a:t>06/03/2018</a:t>
+              <a:t>10/07/2019</a:t>
             </a:fld>
             <a:endParaRPr lang="es-ES"/>
           </a:p>
@@ -7115,7 +7115,7 @@
           <a:p>
             <a:fld id="{EABE8AA6-12A8-4B45-AB18-A83908A3A2E6}" type="datetimeFigureOut">
               <a:rPr lang="es-ES" smtClean="0"/>
-              <a:t>06/03/2018</a:t>
+              <a:t>10/07/2019</a:t>
             </a:fld>
             <a:endParaRPr lang="es-ES"/>
           </a:p>
@@ -7462,7 +7462,7 @@
           <a:p>
             <a:fld id="{EABE8AA6-12A8-4B45-AB18-A83908A3A2E6}" type="datetimeFigureOut">
               <a:rPr lang="es-ES" smtClean="0"/>
-              <a:t>06/03/2018</a:t>
+              <a:t>10/07/2019</a:t>
             </a:fld>
             <a:endParaRPr lang="es-ES"/>
           </a:p>
@@ -7580,7 +7580,7 @@
           <a:p>
             <a:fld id="{73D7E00A-486F-4252-8B1D-E32645521F49}" type="datetime1">
               <a:rPr lang="en-US" smtClean="0"/>
-              <a:t>3/6/2018</a:t>
+              <a:t>7/10/2019</a:t>
             </a:fld>
             <a:endParaRPr lang="en-US"/>
           </a:p>
@@ -8018,7 +8018,7 @@
           <a:p>
             <a:fld id="{EABE8AA6-12A8-4B45-AB18-A83908A3A2E6}" type="datetimeFigureOut">
               <a:rPr lang="es-ES" smtClean="0"/>
-              <a:t>06/03/2018</a:t>
+              <a:t>10/07/2019</a:t>
             </a:fld>
             <a:endParaRPr lang="es-ES"/>
           </a:p>
@@ -8282,7 +8282,7 @@
           <a:p>
             <a:fld id="{EABE8AA6-12A8-4B45-AB18-A83908A3A2E6}" type="datetimeFigureOut">
               <a:rPr lang="es-ES" smtClean="0"/>
-              <a:t>06/03/2018</a:t>
+              <a:t>10/07/2019</a:t>
             </a:fld>
             <a:endParaRPr lang="es-ES"/>
           </a:p>
@@ -8496,7 +8496,7 @@
           <a:p>
             <a:fld id="{5586B75A-687E-405C-8A0B-8D00578BA2C3}" type="datetime1">
               <a:rPr lang="en-US" smtClean="0"/>
-              <a:t>3/6/2018</a:t>
+              <a:t>7/10/2019</a:t>
             </a:fld>
             <a:endParaRPr lang="en-US"/>
           </a:p>
@@ -9026,7 +9026,7 @@
           <a:p>
             <a:fld id="{5586B75A-687E-405C-8A0B-8D00578BA2C3}" type="datetime1">
               <a:rPr lang="en-US" smtClean="0"/>
-              <a:t>3/6/2018</a:t>
+              <a:t>7/10/2019</a:t>
             </a:fld>
             <a:endParaRPr lang="en-US"/>
           </a:p>
@@ -9555,7 +9555,7 @@
           <a:p>
             <a:fld id="{5586B75A-687E-405C-8A0B-8D00578BA2C3}" type="datetime1">
               <a:rPr lang="en-US" smtClean="0"/>
-              <a:t>3/6/2018</a:t>
+              <a:t>7/10/2019</a:t>
             </a:fld>
             <a:endParaRPr lang="en-US"/>
           </a:p>
@@ -10950,7 +10950,7 @@
                   <a:srgbClr val="002060"/>
                 </a:solidFill>
               </a:rPr>
-              <a:t>CREATE TABLE usuarios (</a:t>
+              <a:t>CREATE TABLE usuario (</a:t>
             </a:r>
             <a:br>
               <a:rPr lang="es-ES" dirty="0">
@@ -11189,7 +11189,7 @@
                   <a:srgbClr val="002060"/>
                 </a:solidFill>
               </a:rPr>
-              <a:t>usuarios</a:t>
+              <a:t>usuario</a:t>
             </a:r>
             <a:r>
               <a:rPr lang="en-US" dirty="0">
@@ -12256,7 +12256,7 @@
             </a:pPr>
             <a:r>
               <a:rPr lang="es-CR" dirty="0"/>
-              <a:t>2018</a:t>
+              <a:t>2019</a:t>
             </a:r>
           </a:p>
         </p:txBody>
